--- a/Tom and Jerry/Примерни входове за Tom and Jerry.pptx
+++ b/Tom and Jerry/Примерни входове за Tom and Jerry.pptx
@@ -6,6 +6,7 @@
   </p:sldMasterIdLst>
   <p:sldIdLst>
     <p:sldId id="256" r:id="rId2"/>
+    <p:sldId id="257" r:id="rId3"/>
   </p:sldIdLst>
   <p:sldSz cx="12192000" cy="6858000"/>
   <p:notesSz cx="6858000" cy="9144000"/>
@@ -104,6 +105,11 @@
       </a:defRPr>
     </a:lvl9pPr>
   </p:defaultTextStyle>
+  <p:extLst>
+    <p:ext uri="{EFAFB233-063F-42B5-8137-9DF3F51BA10A}">
+      <p15:sldGuideLst xmlns:p15="http://schemas.microsoft.com/office/powerpoint/2012/main"/>
+    </p:ext>
+  </p:extLst>
 </p:presentation>
 </file>
 
@@ -256,7 +262,7 @@
           <a:p>
             <a:fld id="{5C32CC37-C103-423E-A8BB-98A2A023AE51}" type="datetimeFigureOut">
               <a:rPr lang="en-US" smtClean="0"/>
-              <a:t>12/12/2020</a:t>
+              <a:t>12/14/2020</a:t>
             </a:fld>
             <a:endParaRPr lang="en-US"/>
           </a:p>
@@ -456,7 +462,7 @@
           <a:p>
             <a:fld id="{5C32CC37-C103-423E-A8BB-98A2A023AE51}" type="datetimeFigureOut">
               <a:rPr lang="en-US" smtClean="0"/>
-              <a:t>12/12/2020</a:t>
+              <a:t>12/14/2020</a:t>
             </a:fld>
             <a:endParaRPr lang="en-US"/>
           </a:p>
@@ -666,7 +672,7 @@
           <a:p>
             <a:fld id="{5C32CC37-C103-423E-A8BB-98A2A023AE51}" type="datetimeFigureOut">
               <a:rPr lang="en-US" smtClean="0"/>
-              <a:t>12/12/2020</a:t>
+              <a:t>12/14/2020</a:t>
             </a:fld>
             <a:endParaRPr lang="en-US"/>
           </a:p>
@@ -866,7 +872,7 @@
           <a:p>
             <a:fld id="{5C32CC37-C103-423E-A8BB-98A2A023AE51}" type="datetimeFigureOut">
               <a:rPr lang="en-US" smtClean="0"/>
-              <a:t>12/12/2020</a:t>
+              <a:t>12/14/2020</a:t>
             </a:fld>
             <a:endParaRPr lang="en-US"/>
           </a:p>
@@ -1142,7 +1148,7 @@
           <a:p>
             <a:fld id="{5C32CC37-C103-423E-A8BB-98A2A023AE51}" type="datetimeFigureOut">
               <a:rPr lang="en-US" smtClean="0"/>
-              <a:t>12/12/2020</a:t>
+              <a:t>12/14/2020</a:t>
             </a:fld>
             <a:endParaRPr lang="en-US"/>
           </a:p>
@@ -1410,7 +1416,7 @@
           <a:p>
             <a:fld id="{5C32CC37-C103-423E-A8BB-98A2A023AE51}" type="datetimeFigureOut">
               <a:rPr lang="en-US" smtClean="0"/>
-              <a:t>12/12/2020</a:t>
+              <a:t>12/14/2020</a:t>
             </a:fld>
             <a:endParaRPr lang="en-US"/>
           </a:p>
@@ -1825,7 +1831,7 @@
           <a:p>
             <a:fld id="{5C32CC37-C103-423E-A8BB-98A2A023AE51}" type="datetimeFigureOut">
               <a:rPr lang="en-US" smtClean="0"/>
-              <a:t>12/12/2020</a:t>
+              <a:t>12/14/2020</a:t>
             </a:fld>
             <a:endParaRPr lang="en-US"/>
           </a:p>
@@ -1967,7 +1973,7 @@
           <a:p>
             <a:fld id="{5C32CC37-C103-423E-A8BB-98A2A023AE51}" type="datetimeFigureOut">
               <a:rPr lang="en-US" smtClean="0"/>
-              <a:t>12/12/2020</a:t>
+              <a:t>12/14/2020</a:t>
             </a:fld>
             <a:endParaRPr lang="en-US"/>
           </a:p>
@@ -2080,7 +2086,7 @@
           <a:p>
             <a:fld id="{5C32CC37-C103-423E-A8BB-98A2A023AE51}" type="datetimeFigureOut">
               <a:rPr lang="en-US" smtClean="0"/>
-              <a:t>12/12/2020</a:t>
+              <a:t>12/14/2020</a:t>
             </a:fld>
             <a:endParaRPr lang="en-US"/>
           </a:p>
@@ -2393,7 +2399,7 @@
           <a:p>
             <a:fld id="{5C32CC37-C103-423E-A8BB-98A2A023AE51}" type="datetimeFigureOut">
               <a:rPr lang="en-US" smtClean="0"/>
-              <a:t>12/12/2020</a:t>
+              <a:t>12/14/2020</a:t>
             </a:fld>
             <a:endParaRPr lang="en-US"/>
           </a:p>
@@ -2682,7 +2688,7 @@
           <a:p>
             <a:fld id="{5C32CC37-C103-423E-A8BB-98A2A023AE51}" type="datetimeFigureOut">
               <a:rPr lang="en-US" smtClean="0"/>
-              <a:t>12/12/2020</a:t>
+              <a:t>12/14/2020</a:t>
             </a:fld>
             <a:endParaRPr lang="en-US"/>
           </a:p>
@@ -2925,7 +2931,7 @@
           <a:p>
             <a:fld id="{5C32CC37-C103-423E-A8BB-98A2A023AE51}" type="datetimeFigureOut">
               <a:rPr lang="en-US" smtClean="0"/>
-              <a:t>12/12/2020</a:t>
+              <a:t>12/14/2020</a:t>
             </a:fld>
             <a:endParaRPr lang="en-US"/>
           </a:p>
@@ -3564,7 +3570,7 @@
                     <a:bodyPr/>
                     <a:lstStyle/>
                     <a:p>
-                      <a:endParaRPr lang="en-US"/>
+                      <a:endParaRPr lang="en-US" dirty="0"/>
                     </a:p>
                   </a:txBody>
                   <a:tcPr>
@@ -4109,7 +4115,7 @@
                     <a:bodyPr/>
                     <a:lstStyle/>
                     <a:p>
-                      <a:endParaRPr lang="en-US"/>
+                      <a:endParaRPr lang="en-US" dirty="0"/>
                     </a:p>
                   </a:txBody>
                   <a:tcPr>
@@ -5869,8 +5875,8 @@
         </p:nvSpPr>
         <p:spPr>
           <a:xfrm>
-            <a:off x="11291582" y="218114"/>
-            <a:ext cx="822121" cy="5632311"/>
+            <a:off x="11266415" y="350463"/>
+            <a:ext cx="823053" cy="5632311"/>
           </a:xfrm>
           <a:prstGeom prst="rect">
             <a:avLst/>
@@ -6349,6 +6355,86 @@
     <p:extLst>
       <p:ext uri="{BB962C8B-B14F-4D97-AF65-F5344CB8AC3E}">
         <p14:creationId xmlns:p14="http://schemas.microsoft.com/office/powerpoint/2010/main" val="3862328624"/>
+      </p:ext>
+    </p:extLst>
+  </p:cSld>
+  <p:clrMapOvr>
+    <a:masterClrMapping/>
+  </p:clrMapOvr>
+</p:sld>
+</file>
+
+<file path=ppt/slides/slide2.xml><?xml version="1.0" encoding="utf-8"?>
+<p:sld xmlns:a="http://schemas.openxmlformats.org/drawingml/2006/main" xmlns:r="http://schemas.openxmlformats.org/officeDocument/2006/relationships" xmlns:p="http://schemas.openxmlformats.org/presentationml/2006/main">
+  <p:cSld>
+    <p:spTree>
+      <p:nvGrpSpPr>
+        <p:cNvPr id="1" name=""/>
+        <p:cNvGrpSpPr/>
+        <p:nvPr/>
+      </p:nvGrpSpPr>
+      <p:grpSpPr>
+        <a:xfrm>
+          <a:off x="0" y="0"/>
+          <a:ext cx="0" cy="0"/>
+          <a:chOff x="0" y="0"/>
+          <a:chExt cx="0" cy="0"/>
+        </a:xfrm>
+      </p:grpSpPr>
+      <p:sp>
+        <p:nvSpPr>
+          <p:cNvPr id="2" name="Заглавие 1">
+            <a:extLst>
+              <a:ext uri="{FF2B5EF4-FFF2-40B4-BE49-F238E27FC236}">
+                <a16:creationId xmlns:a16="http://schemas.microsoft.com/office/drawing/2014/main" id="{7B160186-C8CD-47FB-BE08-63A3A52D4E2F}"/>
+              </a:ext>
+            </a:extLst>
+          </p:cNvPr>
+          <p:cNvSpPr>
+            <a:spLocks noGrp="1"/>
+          </p:cNvSpPr>
+          <p:nvPr>
+            <p:ph type="title"/>
+          </p:nvPr>
+        </p:nvSpPr>
+        <p:spPr/>
+        <p:txBody>
+          <a:bodyPr/>
+          <a:lstStyle/>
+          <a:p>
+            <a:endParaRPr lang="en-US"/>
+          </a:p>
+        </p:txBody>
+      </p:sp>
+      <p:sp>
+        <p:nvSpPr>
+          <p:cNvPr id="3" name="Контейнер за съдържание 2">
+            <a:extLst>
+              <a:ext uri="{FF2B5EF4-FFF2-40B4-BE49-F238E27FC236}">
+                <a16:creationId xmlns:a16="http://schemas.microsoft.com/office/drawing/2014/main" id="{3D87BAE7-2145-44E9-B42C-DA16AE7FFDD7}"/>
+              </a:ext>
+            </a:extLst>
+          </p:cNvPr>
+          <p:cNvSpPr>
+            <a:spLocks noGrp="1"/>
+          </p:cNvSpPr>
+          <p:nvPr>
+            <p:ph idx="1"/>
+          </p:nvPr>
+        </p:nvSpPr>
+        <p:spPr/>
+        <p:txBody>
+          <a:bodyPr/>
+          <a:lstStyle/>
+          <a:p>
+            <a:endParaRPr lang="en-US"/>
+          </a:p>
+        </p:txBody>
+      </p:sp>
+    </p:spTree>
+    <p:extLst>
+      <p:ext uri="{BB962C8B-B14F-4D97-AF65-F5344CB8AC3E}">
+        <p14:creationId xmlns:p14="http://schemas.microsoft.com/office/powerpoint/2010/main" val="87511626"/>
       </p:ext>
     </p:extLst>
   </p:cSld>

--- a/Tom and Jerry/Примерни входове за Tom and Jerry.pptx
+++ b/Tom and Jerry/Примерни входове за Tom and Jerry.pptx
@@ -262,7 +262,7 @@
           <a:p>
             <a:fld id="{5C32CC37-C103-423E-A8BB-98A2A023AE51}" type="datetimeFigureOut">
               <a:rPr lang="en-US" smtClean="0"/>
-              <a:t>12/14/2020</a:t>
+              <a:t>12/30/2020</a:t>
             </a:fld>
             <a:endParaRPr lang="en-US"/>
           </a:p>
@@ -462,7 +462,7 @@
           <a:p>
             <a:fld id="{5C32CC37-C103-423E-A8BB-98A2A023AE51}" type="datetimeFigureOut">
               <a:rPr lang="en-US" smtClean="0"/>
-              <a:t>12/14/2020</a:t>
+              <a:t>12/30/2020</a:t>
             </a:fld>
             <a:endParaRPr lang="en-US"/>
           </a:p>
@@ -672,7 +672,7 @@
           <a:p>
             <a:fld id="{5C32CC37-C103-423E-A8BB-98A2A023AE51}" type="datetimeFigureOut">
               <a:rPr lang="en-US" smtClean="0"/>
-              <a:t>12/14/2020</a:t>
+              <a:t>12/30/2020</a:t>
             </a:fld>
             <a:endParaRPr lang="en-US"/>
           </a:p>
@@ -872,7 +872,7 @@
           <a:p>
             <a:fld id="{5C32CC37-C103-423E-A8BB-98A2A023AE51}" type="datetimeFigureOut">
               <a:rPr lang="en-US" smtClean="0"/>
-              <a:t>12/14/2020</a:t>
+              <a:t>12/30/2020</a:t>
             </a:fld>
             <a:endParaRPr lang="en-US"/>
           </a:p>
@@ -1148,7 +1148,7 @@
           <a:p>
             <a:fld id="{5C32CC37-C103-423E-A8BB-98A2A023AE51}" type="datetimeFigureOut">
               <a:rPr lang="en-US" smtClean="0"/>
-              <a:t>12/14/2020</a:t>
+              <a:t>12/30/2020</a:t>
             </a:fld>
             <a:endParaRPr lang="en-US"/>
           </a:p>
@@ -1416,7 +1416,7 @@
           <a:p>
             <a:fld id="{5C32CC37-C103-423E-A8BB-98A2A023AE51}" type="datetimeFigureOut">
               <a:rPr lang="en-US" smtClean="0"/>
-              <a:t>12/14/2020</a:t>
+              <a:t>12/30/2020</a:t>
             </a:fld>
             <a:endParaRPr lang="en-US"/>
           </a:p>
@@ -1831,7 +1831,7 @@
           <a:p>
             <a:fld id="{5C32CC37-C103-423E-A8BB-98A2A023AE51}" type="datetimeFigureOut">
               <a:rPr lang="en-US" smtClean="0"/>
-              <a:t>12/14/2020</a:t>
+              <a:t>12/30/2020</a:t>
             </a:fld>
             <a:endParaRPr lang="en-US"/>
           </a:p>
@@ -1973,7 +1973,7 @@
           <a:p>
             <a:fld id="{5C32CC37-C103-423E-A8BB-98A2A023AE51}" type="datetimeFigureOut">
               <a:rPr lang="en-US" smtClean="0"/>
-              <a:t>12/14/2020</a:t>
+              <a:t>12/30/2020</a:t>
             </a:fld>
             <a:endParaRPr lang="en-US"/>
           </a:p>
@@ -2086,7 +2086,7 @@
           <a:p>
             <a:fld id="{5C32CC37-C103-423E-A8BB-98A2A023AE51}" type="datetimeFigureOut">
               <a:rPr lang="en-US" smtClean="0"/>
-              <a:t>12/14/2020</a:t>
+              <a:t>12/30/2020</a:t>
             </a:fld>
             <a:endParaRPr lang="en-US"/>
           </a:p>
@@ -2399,7 +2399,7 @@
           <a:p>
             <a:fld id="{5C32CC37-C103-423E-A8BB-98A2A023AE51}" type="datetimeFigureOut">
               <a:rPr lang="en-US" smtClean="0"/>
-              <a:t>12/14/2020</a:t>
+              <a:t>12/30/2020</a:t>
             </a:fld>
             <a:endParaRPr lang="en-US"/>
           </a:p>
@@ -2688,7 +2688,7 @@
           <a:p>
             <a:fld id="{5C32CC37-C103-423E-A8BB-98A2A023AE51}" type="datetimeFigureOut">
               <a:rPr lang="en-US" smtClean="0"/>
-              <a:t>12/14/2020</a:t>
+              <a:t>12/30/2020</a:t>
             </a:fld>
             <a:endParaRPr lang="en-US"/>
           </a:p>
@@ -2931,7 +2931,7 @@
           <a:p>
             <a:fld id="{5C32CC37-C103-423E-A8BB-98A2A023AE51}" type="datetimeFigureOut">
               <a:rPr lang="en-US" smtClean="0"/>
-              <a:t>12/14/2020</a:t>
+              <a:t>12/30/2020</a:t>
             </a:fld>
             <a:endParaRPr lang="en-US"/>
           </a:p>
@@ -6381,53 +6381,1275 @@
           <a:chExt cx="0" cy="0"/>
         </a:xfrm>
       </p:grpSpPr>
-      <p:sp>
-        <p:nvSpPr>
-          <p:cNvPr id="2" name="Заглавие 1">
+      <p:graphicFrame>
+        <p:nvGraphicFramePr>
+          <p:cNvPr id="4" name="Таблица 4">
             <a:extLst>
               <a:ext uri="{FF2B5EF4-FFF2-40B4-BE49-F238E27FC236}">
-                <a16:creationId xmlns:a16="http://schemas.microsoft.com/office/drawing/2014/main" id="{7B160186-C8CD-47FB-BE08-63A3A52D4E2F}"/>
+                <a16:creationId xmlns:a16="http://schemas.microsoft.com/office/drawing/2014/main" id="{14DF6FA9-9D2A-4FFB-B874-681DD23C0E8C}"/>
               </a:ext>
             </a:extLst>
           </p:cNvPr>
-          <p:cNvSpPr>
-            <a:spLocks noGrp="1"/>
-          </p:cNvSpPr>
+          <p:cNvGraphicFramePr>
+            <a:graphicFrameLocks noGrp="1"/>
+          </p:cNvGraphicFramePr>
           <p:nvPr>
-            <p:ph type="title"/>
+            <p:extLst>
+              <p:ext uri="{D42A27DB-BD31-4B8C-83A1-F6EECF244321}">
+                <p14:modId xmlns:p14="http://schemas.microsoft.com/office/powerpoint/2010/main" val="1056236646"/>
+              </p:ext>
+            </p:extLst>
           </p:nvPr>
-        </p:nvSpPr>
-        <p:spPr/>
-        <p:txBody>
-          <a:bodyPr/>
-          <a:lstStyle/>
-          <a:p>
-            <a:endParaRPr lang="en-US"/>
-          </a:p>
-        </p:txBody>
-      </p:sp>
+        </p:nvGraphicFramePr>
+        <p:xfrm>
+          <a:off x="924655" y="501552"/>
+          <a:ext cx="3731235" cy="2709336"/>
+        </p:xfrm>
+        <a:graphic>
+          <a:graphicData uri="http://schemas.openxmlformats.org/drawingml/2006/table">
+            <a:tbl>
+              <a:tblPr firstRow="1" bandRow="1">
+                <a:tableStyleId>{073A0DAA-6AF3-43AB-8588-CEC1D06C72B9}</a:tableStyleId>
+              </a:tblPr>
+              <a:tblGrid>
+                <a:gridCol w="746247">
+                  <a:extLst>
+                    <a:ext uri="{9D8B030D-6E8A-4147-A177-3AD203B41FA5}">
+                      <a16:colId xmlns:a16="http://schemas.microsoft.com/office/drawing/2014/main" val="1989969000"/>
+                    </a:ext>
+                  </a:extLst>
+                </a:gridCol>
+                <a:gridCol w="746247">
+                  <a:extLst>
+                    <a:ext uri="{9D8B030D-6E8A-4147-A177-3AD203B41FA5}">
+                      <a16:colId xmlns:a16="http://schemas.microsoft.com/office/drawing/2014/main" val="1566668086"/>
+                    </a:ext>
+                  </a:extLst>
+                </a:gridCol>
+                <a:gridCol w="746247">
+                  <a:extLst>
+                    <a:ext uri="{9D8B030D-6E8A-4147-A177-3AD203B41FA5}">
+                      <a16:colId xmlns:a16="http://schemas.microsoft.com/office/drawing/2014/main" val="2871963199"/>
+                    </a:ext>
+                  </a:extLst>
+                </a:gridCol>
+                <a:gridCol w="746247">
+                  <a:extLst>
+                    <a:ext uri="{9D8B030D-6E8A-4147-A177-3AD203B41FA5}">
+                      <a16:colId xmlns:a16="http://schemas.microsoft.com/office/drawing/2014/main" val="4204713095"/>
+                    </a:ext>
+                  </a:extLst>
+                </a:gridCol>
+                <a:gridCol w="746247">
+                  <a:extLst>
+                    <a:ext uri="{9D8B030D-6E8A-4147-A177-3AD203B41FA5}">
+                      <a16:colId xmlns:a16="http://schemas.microsoft.com/office/drawing/2014/main" val="4219979714"/>
+                    </a:ext>
+                  </a:extLst>
+                </a:gridCol>
+              </a:tblGrid>
+              <a:tr h="677334">
+                <a:tc>
+                  <a:txBody>
+                    <a:bodyPr/>
+                    <a:lstStyle/>
+                    <a:p>
+                      <a:pPr algn="l"/>
+                      <a:r>
+                        <a:rPr lang="en-US" dirty="0">
+                          <a:solidFill>
+                            <a:schemeClr val="tx1"/>
+                          </a:solidFill>
+                        </a:rPr>
+                        <a:t> Tom</a:t>
+                      </a:r>
+                    </a:p>
+                  </a:txBody>
+                  <a:tcPr>
+                    <a:lnL w="12700" cap="flat" cmpd="sng" algn="ctr">
+                      <a:solidFill>
+                        <a:schemeClr val="tx1"/>
+                      </a:solidFill>
+                      <a:prstDash val="solid"/>
+                      <a:round/>
+                      <a:headEnd type="none" w="med" len="med"/>
+                      <a:tailEnd type="none" w="med" len="med"/>
+                    </a:lnL>
+                    <a:lnR w="12700" cap="flat" cmpd="sng" algn="ctr">
+                      <a:solidFill>
+                        <a:schemeClr val="tx1"/>
+                      </a:solidFill>
+                      <a:prstDash val="solid"/>
+                      <a:round/>
+                      <a:headEnd type="none" w="med" len="med"/>
+                      <a:tailEnd type="none" w="med" len="med"/>
+                    </a:lnR>
+                    <a:lnT w="12700" cap="flat" cmpd="sng" algn="ctr">
+                      <a:solidFill>
+                        <a:schemeClr val="tx1"/>
+                      </a:solidFill>
+                      <a:prstDash val="solid"/>
+                      <a:round/>
+                      <a:headEnd type="none" w="med" len="med"/>
+                      <a:tailEnd type="none" w="med" len="med"/>
+                    </a:lnT>
+                    <a:lnB w="12700" cap="flat" cmpd="sng" algn="ctr">
+                      <a:solidFill>
+                        <a:schemeClr val="tx1"/>
+                      </a:solidFill>
+                      <a:prstDash val="solid"/>
+                      <a:round/>
+                      <a:headEnd type="none" w="med" len="med"/>
+                      <a:tailEnd type="none" w="med" len="med"/>
+                    </a:lnB>
+                    <a:solidFill>
+                      <a:schemeClr val="bg1"/>
+                    </a:solidFill>
+                  </a:tcPr>
+                </a:tc>
+                <a:tc>
+                  <a:txBody>
+                    <a:bodyPr/>
+                    <a:lstStyle/>
+                    <a:p>
+                      <a:endParaRPr lang="en-US" dirty="0"/>
+                    </a:p>
+                  </a:txBody>
+                  <a:tcPr>
+                    <a:lnL w="12700" cap="flat" cmpd="sng" algn="ctr">
+                      <a:solidFill>
+                        <a:schemeClr val="tx1"/>
+                      </a:solidFill>
+                      <a:prstDash val="solid"/>
+                      <a:round/>
+                      <a:headEnd type="none" w="med" len="med"/>
+                      <a:tailEnd type="none" w="med" len="med"/>
+                    </a:lnL>
+                    <a:lnR w="12700" cap="flat" cmpd="sng" algn="ctr">
+                      <a:solidFill>
+                        <a:schemeClr val="tx1"/>
+                      </a:solidFill>
+                      <a:prstDash val="solid"/>
+                      <a:round/>
+                      <a:headEnd type="none" w="med" len="med"/>
+                      <a:tailEnd type="none" w="med" len="med"/>
+                    </a:lnR>
+                    <a:lnT w="12700" cap="flat" cmpd="sng" algn="ctr">
+                      <a:solidFill>
+                        <a:schemeClr val="tx1"/>
+                      </a:solidFill>
+                      <a:prstDash val="solid"/>
+                      <a:round/>
+                      <a:headEnd type="none" w="med" len="med"/>
+                      <a:tailEnd type="none" w="med" len="med"/>
+                    </a:lnT>
+                    <a:lnB w="12700" cap="flat" cmpd="sng" algn="ctr">
+                      <a:solidFill>
+                        <a:schemeClr val="tx1"/>
+                      </a:solidFill>
+                      <a:prstDash val="solid"/>
+                      <a:round/>
+                      <a:headEnd type="none" w="med" len="med"/>
+                      <a:tailEnd type="none" w="med" len="med"/>
+                    </a:lnB>
+                    <a:solidFill>
+                      <a:schemeClr val="bg1"/>
+                    </a:solidFill>
+                  </a:tcPr>
+                </a:tc>
+                <a:tc>
+                  <a:txBody>
+                    <a:bodyPr/>
+                    <a:lstStyle/>
+                    <a:p>
+                      <a:endParaRPr lang="en-US" dirty="0"/>
+                    </a:p>
+                  </a:txBody>
+                  <a:tcPr>
+                    <a:lnL w="12700" cap="flat" cmpd="sng" algn="ctr">
+                      <a:solidFill>
+                        <a:schemeClr val="tx1"/>
+                      </a:solidFill>
+                      <a:prstDash val="solid"/>
+                      <a:round/>
+                      <a:headEnd type="none" w="med" len="med"/>
+                      <a:tailEnd type="none" w="med" len="med"/>
+                    </a:lnL>
+                    <a:lnR w="12700" cap="flat" cmpd="sng" algn="ctr">
+                      <a:solidFill>
+                        <a:schemeClr val="tx1"/>
+                      </a:solidFill>
+                      <a:prstDash val="solid"/>
+                      <a:round/>
+                      <a:headEnd type="none" w="med" len="med"/>
+                      <a:tailEnd type="none" w="med" len="med"/>
+                    </a:lnR>
+                    <a:lnT w="12700" cap="flat" cmpd="sng" algn="ctr">
+                      <a:solidFill>
+                        <a:schemeClr val="tx1"/>
+                      </a:solidFill>
+                      <a:prstDash val="solid"/>
+                      <a:round/>
+                      <a:headEnd type="none" w="med" len="med"/>
+                      <a:tailEnd type="none" w="med" len="med"/>
+                    </a:lnT>
+                    <a:lnB w="12700" cap="flat" cmpd="sng" algn="ctr">
+                      <a:solidFill>
+                        <a:schemeClr val="tx1"/>
+                      </a:solidFill>
+                      <a:prstDash val="solid"/>
+                      <a:round/>
+                      <a:headEnd type="none" w="med" len="med"/>
+                      <a:tailEnd type="none" w="med" len="med"/>
+                    </a:lnB>
+                    <a:solidFill>
+                      <a:schemeClr val="bg1"/>
+                    </a:solidFill>
+                  </a:tcPr>
+                </a:tc>
+                <a:tc>
+                  <a:txBody>
+                    <a:bodyPr/>
+                    <a:lstStyle/>
+                    <a:p>
+                      <a:r>
+                        <a:rPr lang="en-US" dirty="0">
+                          <a:solidFill>
+                            <a:schemeClr val="tx1"/>
+                          </a:solidFill>
+                        </a:rPr>
+                        <a:t>    P</a:t>
+                      </a:r>
+                    </a:p>
+                  </a:txBody>
+                  <a:tcPr>
+                    <a:lnL w="12700" cap="flat" cmpd="sng" algn="ctr">
+                      <a:solidFill>
+                        <a:schemeClr val="tx1"/>
+                      </a:solidFill>
+                      <a:prstDash val="solid"/>
+                      <a:round/>
+                      <a:headEnd type="none" w="med" len="med"/>
+                      <a:tailEnd type="none" w="med" len="med"/>
+                    </a:lnL>
+                    <a:lnR w="12700" cap="flat" cmpd="sng" algn="ctr">
+                      <a:solidFill>
+                        <a:schemeClr val="tx1"/>
+                      </a:solidFill>
+                      <a:prstDash val="solid"/>
+                      <a:round/>
+                      <a:headEnd type="none" w="med" len="med"/>
+                      <a:tailEnd type="none" w="med" len="med"/>
+                    </a:lnR>
+                    <a:lnT w="12700" cap="flat" cmpd="sng" algn="ctr">
+                      <a:solidFill>
+                        <a:schemeClr val="tx1"/>
+                      </a:solidFill>
+                      <a:prstDash val="solid"/>
+                      <a:round/>
+                      <a:headEnd type="none" w="med" len="med"/>
+                      <a:tailEnd type="none" w="med" len="med"/>
+                    </a:lnT>
+                    <a:lnB w="12700" cap="flat" cmpd="sng" algn="ctr">
+                      <a:solidFill>
+                        <a:schemeClr val="tx1"/>
+                      </a:solidFill>
+                      <a:prstDash val="solid"/>
+                      <a:round/>
+                      <a:headEnd type="none" w="med" len="med"/>
+                      <a:tailEnd type="none" w="med" len="med"/>
+                    </a:lnB>
+                    <a:solidFill>
+                      <a:schemeClr val="bg1"/>
+                    </a:solidFill>
+                  </a:tcPr>
+                </a:tc>
+                <a:tc>
+                  <a:txBody>
+                    <a:bodyPr/>
+                    <a:lstStyle/>
+                    <a:p>
+                      <a:endParaRPr lang="en-US"/>
+                    </a:p>
+                  </a:txBody>
+                  <a:tcPr>
+                    <a:lnL w="12700" cap="flat" cmpd="sng" algn="ctr">
+                      <a:solidFill>
+                        <a:schemeClr val="tx1"/>
+                      </a:solidFill>
+                      <a:prstDash val="solid"/>
+                      <a:round/>
+                      <a:headEnd type="none" w="med" len="med"/>
+                      <a:tailEnd type="none" w="med" len="med"/>
+                    </a:lnL>
+                    <a:lnR w="12700" cap="flat" cmpd="sng" algn="ctr">
+                      <a:solidFill>
+                        <a:schemeClr val="tx1"/>
+                      </a:solidFill>
+                      <a:prstDash val="solid"/>
+                      <a:round/>
+                      <a:headEnd type="none" w="med" len="med"/>
+                      <a:tailEnd type="none" w="med" len="med"/>
+                    </a:lnR>
+                    <a:lnT w="12700" cap="flat" cmpd="sng" algn="ctr">
+                      <a:solidFill>
+                        <a:schemeClr val="tx1"/>
+                      </a:solidFill>
+                      <a:prstDash val="solid"/>
+                      <a:round/>
+                      <a:headEnd type="none" w="med" len="med"/>
+                      <a:tailEnd type="none" w="med" len="med"/>
+                    </a:lnT>
+                    <a:lnB w="12700" cap="flat" cmpd="sng" algn="ctr">
+                      <a:solidFill>
+                        <a:schemeClr val="tx1"/>
+                      </a:solidFill>
+                      <a:prstDash val="solid"/>
+                      <a:round/>
+                      <a:headEnd type="none" w="med" len="med"/>
+                      <a:tailEnd type="none" w="med" len="med"/>
+                    </a:lnB>
+                    <a:solidFill>
+                      <a:schemeClr val="bg1"/>
+                    </a:solidFill>
+                  </a:tcPr>
+                </a:tc>
+                <a:extLst>
+                  <a:ext uri="{0D108BD9-81ED-4DB2-BD59-A6C34878D82A}">
+                    <a16:rowId xmlns:a16="http://schemas.microsoft.com/office/drawing/2014/main" val="2717859985"/>
+                  </a:ext>
+                </a:extLst>
+              </a:tr>
+              <a:tr h="677334">
+                <a:tc>
+                  <a:txBody>
+                    <a:bodyPr/>
+                    <a:lstStyle/>
+                    <a:p>
+                      <a:endParaRPr lang="en-US" dirty="0"/>
+                    </a:p>
+                  </a:txBody>
+                  <a:tcPr>
+                    <a:lnL w="12700" cap="flat" cmpd="sng" algn="ctr">
+                      <a:solidFill>
+                        <a:schemeClr val="tx1"/>
+                      </a:solidFill>
+                      <a:prstDash val="solid"/>
+                      <a:round/>
+                      <a:headEnd type="none" w="med" len="med"/>
+                      <a:tailEnd type="none" w="med" len="med"/>
+                    </a:lnL>
+                    <a:lnR w="12700" cap="flat" cmpd="sng" algn="ctr">
+                      <a:solidFill>
+                        <a:schemeClr val="tx1"/>
+                      </a:solidFill>
+                      <a:prstDash val="solid"/>
+                      <a:round/>
+                      <a:headEnd type="none" w="med" len="med"/>
+                      <a:tailEnd type="none" w="med" len="med"/>
+                    </a:lnR>
+                    <a:lnT w="12700" cap="flat" cmpd="sng" algn="ctr">
+                      <a:solidFill>
+                        <a:schemeClr val="tx1"/>
+                      </a:solidFill>
+                      <a:prstDash val="solid"/>
+                      <a:round/>
+                      <a:headEnd type="none" w="med" len="med"/>
+                      <a:tailEnd type="none" w="med" len="med"/>
+                    </a:lnT>
+                    <a:lnB w="12700" cap="flat" cmpd="sng" algn="ctr">
+                      <a:solidFill>
+                        <a:schemeClr val="tx1"/>
+                      </a:solidFill>
+                      <a:prstDash val="solid"/>
+                      <a:round/>
+                      <a:headEnd type="none" w="med" len="med"/>
+                      <a:tailEnd type="none" w="med" len="med"/>
+                    </a:lnB>
+                    <a:lnTlToBr w="12700" cmpd="sng">
+                      <a:noFill/>
+                      <a:prstDash val="solid"/>
+                    </a:lnTlToBr>
+                    <a:lnBlToTr w="12700" cmpd="sng">
+                      <a:noFill/>
+                      <a:prstDash val="solid"/>
+                    </a:lnBlToTr>
+                    <a:solidFill>
+                      <a:schemeClr val="bg1"/>
+                    </a:solidFill>
+                  </a:tcPr>
+                </a:tc>
+                <a:tc>
+                  <a:txBody>
+                    <a:bodyPr/>
+                    <a:lstStyle/>
+                    <a:p>
+                      <a:endParaRPr lang="en-US" dirty="0"/>
+                    </a:p>
+                  </a:txBody>
+                  <a:tcPr>
+                    <a:lnL w="12700" cap="flat" cmpd="sng" algn="ctr">
+                      <a:solidFill>
+                        <a:schemeClr val="tx1"/>
+                      </a:solidFill>
+                      <a:prstDash val="solid"/>
+                      <a:round/>
+                      <a:headEnd type="none" w="med" len="med"/>
+                      <a:tailEnd type="none" w="med" len="med"/>
+                    </a:lnL>
+                    <a:lnR w="12700" cap="flat" cmpd="sng" algn="ctr">
+                      <a:solidFill>
+                        <a:schemeClr val="tx1"/>
+                      </a:solidFill>
+                      <a:prstDash val="solid"/>
+                      <a:round/>
+                      <a:headEnd type="none" w="med" len="med"/>
+                      <a:tailEnd type="none" w="med" len="med"/>
+                    </a:lnR>
+                    <a:lnT w="12700" cap="flat" cmpd="sng" algn="ctr">
+                      <a:solidFill>
+                        <a:schemeClr val="tx1"/>
+                      </a:solidFill>
+                      <a:prstDash val="solid"/>
+                      <a:round/>
+                      <a:headEnd type="none" w="med" len="med"/>
+                      <a:tailEnd type="none" w="med" len="med"/>
+                    </a:lnT>
+                    <a:lnB w="12700" cap="flat" cmpd="sng" algn="ctr">
+                      <a:solidFill>
+                        <a:schemeClr val="tx1"/>
+                      </a:solidFill>
+                      <a:prstDash val="solid"/>
+                      <a:round/>
+                      <a:headEnd type="none" w="med" len="med"/>
+                      <a:tailEnd type="none" w="med" len="med"/>
+                    </a:lnB>
+                    <a:solidFill>
+                      <a:schemeClr val="bg1"/>
+                    </a:solidFill>
+                  </a:tcPr>
+                </a:tc>
+                <a:tc>
+                  <a:txBody>
+                    <a:bodyPr/>
+                    <a:lstStyle/>
+                    <a:p>
+                      <a:endParaRPr lang="en-US" dirty="0"/>
+                    </a:p>
+                  </a:txBody>
+                  <a:tcPr>
+                    <a:lnL w="12700" cap="flat" cmpd="sng" algn="ctr">
+                      <a:solidFill>
+                        <a:schemeClr val="tx1"/>
+                      </a:solidFill>
+                      <a:prstDash val="solid"/>
+                      <a:round/>
+                      <a:headEnd type="none" w="med" len="med"/>
+                      <a:tailEnd type="none" w="med" len="med"/>
+                    </a:lnL>
+                    <a:lnR w="12700" cap="flat" cmpd="sng" algn="ctr">
+                      <a:solidFill>
+                        <a:schemeClr val="tx1"/>
+                      </a:solidFill>
+                      <a:prstDash val="solid"/>
+                      <a:round/>
+                      <a:headEnd type="none" w="med" len="med"/>
+                      <a:tailEnd type="none" w="med" len="med"/>
+                    </a:lnR>
+                    <a:lnT w="12700" cap="flat" cmpd="sng" algn="ctr">
+                      <a:solidFill>
+                        <a:schemeClr val="tx1"/>
+                      </a:solidFill>
+                      <a:prstDash val="solid"/>
+                      <a:round/>
+                      <a:headEnd type="none" w="med" len="med"/>
+                      <a:tailEnd type="none" w="med" len="med"/>
+                    </a:lnT>
+                    <a:lnB w="12700" cap="flat" cmpd="sng" algn="ctr">
+                      <a:solidFill>
+                        <a:schemeClr val="tx1"/>
+                      </a:solidFill>
+                      <a:prstDash val="solid"/>
+                      <a:round/>
+                      <a:headEnd type="none" w="med" len="med"/>
+                      <a:tailEnd type="none" w="med" len="med"/>
+                    </a:lnB>
+                    <a:solidFill>
+                      <a:schemeClr val="tx1"/>
+                    </a:solidFill>
+                  </a:tcPr>
+                </a:tc>
+                <a:tc>
+                  <a:txBody>
+                    <a:bodyPr/>
+                    <a:lstStyle/>
+                    <a:p>
+                      <a:endParaRPr lang="en-US" dirty="0"/>
+                    </a:p>
+                  </a:txBody>
+                  <a:tcPr>
+                    <a:lnL w="12700" cap="flat" cmpd="sng" algn="ctr">
+                      <a:solidFill>
+                        <a:schemeClr val="tx1"/>
+                      </a:solidFill>
+                      <a:prstDash val="solid"/>
+                      <a:round/>
+                      <a:headEnd type="none" w="med" len="med"/>
+                      <a:tailEnd type="none" w="med" len="med"/>
+                    </a:lnL>
+                    <a:lnR w="12700" cap="flat" cmpd="sng" algn="ctr">
+                      <a:solidFill>
+                        <a:schemeClr val="tx1"/>
+                      </a:solidFill>
+                      <a:prstDash val="solid"/>
+                      <a:round/>
+                      <a:headEnd type="none" w="med" len="med"/>
+                      <a:tailEnd type="none" w="med" len="med"/>
+                    </a:lnR>
+                    <a:lnT w="12700" cap="flat" cmpd="sng" algn="ctr">
+                      <a:solidFill>
+                        <a:schemeClr val="tx1"/>
+                      </a:solidFill>
+                      <a:prstDash val="solid"/>
+                      <a:round/>
+                      <a:headEnd type="none" w="med" len="med"/>
+                      <a:tailEnd type="none" w="med" len="med"/>
+                    </a:lnT>
+                    <a:lnB w="12700" cap="flat" cmpd="sng" algn="ctr">
+                      <a:solidFill>
+                        <a:schemeClr val="tx1"/>
+                      </a:solidFill>
+                      <a:prstDash val="solid"/>
+                      <a:round/>
+                      <a:headEnd type="none" w="med" len="med"/>
+                      <a:tailEnd type="none" w="med" len="med"/>
+                    </a:lnB>
+                    <a:solidFill>
+                      <a:schemeClr val="bg1"/>
+                    </a:solidFill>
+                  </a:tcPr>
+                </a:tc>
+                <a:tc>
+                  <a:txBody>
+                    <a:bodyPr/>
+                    <a:lstStyle/>
+                    <a:p>
+                      <a:endParaRPr lang="en-US" dirty="0"/>
+                    </a:p>
+                  </a:txBody>
+                  <a:tcPr>
+                    <a:lnL w="12700" cap="flat" cmpd="sng" algn="ctr">
+                      <a:solidFill>
+                        <a:schemeClr val="tx1"/>
+                      </a:solidFill>
+                      <a:prstDash val="solid"/>
+                      <a:round/>
+                      <a:headEnd type="none" w="med" len="med"/>
+                      <a:tailEnd type="none" w="med" len="med"/>
+                    </a:lnL>
+                    <a:lnR w="12700" cap="flat" cmpd="sng" algn="ctr">
+                      <a:solidFill>
+                        <a:schemeClr val="tx1"/>
+                      </a:solidFill>
+                      <a:prstDash val="solid"/>
+                      <a:round/>
+                      <a:headEnd type="none" w="med" len="med"/>
+                      <a:tailEnd type="none" w="med" len="med"/>
+                    </a:lnR>
+                    <a:lnT w="12700" cap="flat" cmpd="sng" algn="ctr">
+                      <a:solidFill>
+                        <a:schemeClr val="tx1"/>
+                      </a:solidFill>
+                      <a:prstDash val="solid"/>
+                      <a:round/>
+                      <a:headEnd type="none" w="med" len="med"/>
+                      <a:tailEnd type="none" w="med" len="med"/>
+                    </a:lnT>
+                    <a:lnB w="12700" cap="flat" cmpd="sng" algn="ctr">
+                      <a:solidFill>
+                        <a:schemeClr val="tx1"/>
+                      </a:solidFill>
+                      <a:prstDash val="solid"/>
+                      <a:round/>
+                      <a:headEnd type="none" w="med" len="med"/>
+                      <a:tailEnd type="none" w="med" len="med"/>
+                    </a:lnB>
+                    <a:solidFill>
+                      <a:schemeClr val="tx1"/>
+                    </a:solidFill>
+                  </a:tcPr>
+                </a:tc>
+                <a:extLst>
+                  <a:ext uri="{0D108BD9-81ED-4DB2-BD59-A6C34878D82A}">
+                    <a16:rowId xmlns:a16="http://schemas.microsoft.com/office/drawing/2014/main" val="2038447735"/>
+                  </a:ext>
+                </a:extLst>
+              </a:tr>
+              <a:tr h="677334">
+                <a:tc>
+                  <a:txBody>
+                    <a:bodyPr/>
+                    <a:lstStyle/>
+                    <a:p>
+                      <a:r>
+                        <a:rPr lang="en-US" dirty="0"/>
+                        <a:t>    P</a:t>
+                      </a:r>
+                    </a:p>
+                  </a:txBody>
+                  <a:tcPr>
+                    <a:lnL w="12700" cap="flat" cmpd="sng" algn="ctr">
+                      <a:solidFill>
+                        <a:schemeClr val="tx1"/>
+                      </a:solidFill>
+                      <a:prstDash val="solid"/>
+                      <a:round/>
+                      <a:headEnd type="none" w="med" len="med"/>
+                      <a:tailEnd type="none" w="med" len="med"/>
+                    </a:lnL>
+                    <a:lnR w="12700" cap="flat" cmpd="sng" algn="ctr">
+                      <a:solidFill>
+                        <a:schemeClr val="tx1"/>
+                      </a:solidFill>
+                      <a:prstDash val="solid"/>
+                      <a:round/>
+                      <a:headEnd type="none" w="med" len="med"/>
+                      <a:tailEnd type="none" w="med" len="med"/>
+                    </a:lnR>
+                    <a:lnT w="12700" cap="flat" cmpd="sng" algn="ctr">
+                      <a:solidFill>
+                        <a:schemeClr val="tx1"/>
+                      </a:solidFill>
+                      <a:prstDash val="solid"/>
+                      <a:round/>
+                      <a:headEnd type="none" w="med" len="med"/>
+                      <a:tailEnd type="none" w="med" len="med"/>
+                    </a:lnT>
+                    <a:lnB w="12700" cap="flat" cmpd="sng" algn="ctr">
+                      <a:solidFill>
+                        <a:schemeClr val="tx1"/>
+                      </a:solidFill>
+                      <a:prstDash val="solid"/>
+                      <a:round/>
+                      <a:headEnd type="none" w="med" len="med"/>
+                      <a:tailEnd type="none" w="med" len="med"/>
+                    </a:lnB>
+                    <a:lnTlToBr w="12700" cmpd="sng">
+                      <a:noFill/>
+                      <a:prstDash val="solid"/>
+                    </a:lnTlToBr>
+                    <a:lnBlToTr w="12700" cmpd="sng">
+                      <a:noFill/>
+                      <a:prstDash val="solid"/>
+                    </a:lnBlToTr>
+                    <a:solidFill>
+                      <a:schemeClr val="bg1"/>
+                    </a:solidFill>
+                  </a:tcPr>
+                </a:tc>
+                <a:tc>
+                  <a:txBody>
+                    <a:bodyPr/>
+                    <a:lstStyle/>
+                    <a:p>
+                      <a:endParaRPr lang="en-US" dirty="0"/>
+                    </a:p>
+                  </a:txBody>
+                  <a:tcPr>
+                    <a:lnL w="12700" cap="flat" cmpd="sng" algn="ctr">
+                      <a:solidFill>
+                        <a:schemeClr val="tx1"/>
+                      </a:solidFill>
+                      <a:prstDash val="solid"/>
+                      <a:round/>
+                      <a:headEnd type="none" w="med" len="med"/>
+                      <a:tailEnd type="none" w="med" len="med"/>
+                    </a:lnL>
+                    <a:lnR w="12700" cap="flat" cmpd="sng" algn="ctr">
+                      <a:solidFill>
+                        <a:schemeClr val="tx1"/>
+                      </a:solidFill>
+                      <a:prstDash val="solid"/>
+                      <a:round/>
+                      <a:headEnd type="none" w="med" len="med"/>
+                      <a:tailEnd type="none" w="med" len="med"/>
+                    </a:lnR>
+                    <a:lnT w="12700" cap="flat" cmpd="sng" algn="ctr">
+                      <a:solidFill>
+                        <a:schemeClr val="tx1"/>
+                      </a:solidFill>
+                      <a:prstDash val="solid"/>
+                      <a:round/>
+                      <a:headEnd type="none" w="med" len="med"/>
+                      <a:tailEnd type="none" w="med" len="med"/>
+                    </a:lnT>
+                    <a:lnB w="12700" cap="flat" cmpd="sng" algn="ctr">
+                      <a:solidFill>
+                        <a:schemeClr val="tx1"/>
+                      </a:solidFill>
+                      <a:prstDash val="solid"/>
+                      <a:round/>
+                      <a:headEnd type="none" w="med" len="med"/>
+                      <a:tailEnd type="none" w="med" len="med"/>
+                    </a:lnB>
+                    <a:solidFill>
+                      <a:schemeClr val="bg1"/>
+                    </a:solidFill>
+                  </a:tcPr>
+                </a:tc>
+                <a:tc>
+                  <a:txBody>
+                    <a:bodyPr/>
+                    <a:lstStyle/>
+                    <a:p>
+                      <a:endParaRPr lang="en-US" dirty="0"/>
+                    </a:p>
+                  </a:txBody>
+                  <a:tcPr>
+                    <a:lnL w="12700" cap="flat" cmpd="sng" algn="ctr">
+                      <a:solidFill>
+                        <a:schemeClr val="tx1"/>
+                      </a:solidFill>
+                      <a:prstDash val="solid"/>
+                      <a:round/>
+                      <a:headEnd type="none" w="med" len="med"/>
+                      <a:tailEnd type="none" w="med" len="med"/>
+                    </a:lnL>
+                    <a:lnR w="12700" cap="flat" cmpd="sng" algn="ctr">
+                      <a:solidFill>
+                        <a:schemeClr val="tx1"/>
+                      </a:solidFill>
+                      <a:prstDash val="solid"/>
+                      <a:round/>
+                      <a:headEnd type="none" w="med" len="med"/>
+                      <a:tailEnd type="none" w="med" len="med"/>
+                    </a:lnR>
+                    <a:lnT w="12700" cap="flat" cmpd="sng" algn="ctr">
+                      <a:solidFill>
+                        <a:schemeClr val="tx1"/>
+                      </a:solidFill>
+                      <a:prstDash val="solid"/>
+                      <a:round/>
+                      <a:headEnd type="none" w="med" len="med"/>
+                      <a:tailEnd type="none" w="med" len="med"/>
+                    </a:lnT>
+                    <a:lnB w="12700" cap="flat" cmpd="sng" algn="ctr">
+                      <a:solidFill>
+                        <a:schemeClr val="tx1"/>
+                      </a:solidFill>
+                      <a:prstDash val="solid"/>
+                      <a:round/>
+                      <a:headEnd type="none" w="med" len="med"/>
+                      <a:tailEnd type="none" w="med" len="med"/>
+                    </a:lnB>
+                    <a:solidFill>
+                      <a:schemeClr val="tx1"/>
+                    </a:solidFill>
+                  </a:tcPr>
+                </a:tc>
+                <a:tc>
+                  <a:txBody>
+                    <a:bodyPr/>
+                    <a:lstStyle/>
+                    <a:p>
+                      <a:endParaRPr lang="en-US" dirty="0"/>
+                    </a:p>
+                  </a:txBody>
+                  <a:tcPr>
+                    <a:lnL w="12700" cap="flat" cmpd="sng" algn="ctr">
+                      <a:solidFill>
+                        <a:schemeClr val="tx1"/>
+                      </a:solidFill>
+                      <a:prstDash val="solid"/>
+                      <a:round/>
+                      <a:headEnd type="none" w="med" len="med"/>
+                      <a:tailEnd type="none" w="med" len="med"/>
+                    </a:lnL>
+                    <a:lnR w="12700" cap="flat" cmpd="sng" algn="ctr">
+                      <a:solidFill>
+                        <a:schemeClr val="tx1"/>
+                      </a:solidFill>
+                      <a:prstDash val="solid"/>
+                      <a:round/>
+                      <a:headEnd type="none" w="med" len="med"/>
+                      <a:tailEnd type="none" w="med" len="med"/>
+                    </a:lnR>
+                    <a:lnT w="12700" cap="flat" cmpd="sng" algn="ctr">
+                      <a:solidFill>
+                        <a:schemeClr val="tx1"/>
+                      </a:solidFill>
+                      <a:prstDash val="solid"/>
+                      <a:round/>
+                      <a:headEnd type="none" w="med" len="med"/>
+                      <a:tailEnd type="none" w="med" len="med"/>
+                    </a:lnT>
+                    <a:lnB w="12700" cap="flat" cmpd="sng" algn="ctr">
+                      <a:solidFill>
+                        <a:schemeClr val="tx1"/>
+                      </a:solidFill>
+                      <a:prstDash val="solid"/>
+                      <a:round/>
+                      <a:headEnd type="none" w="med" len="med"/>
+                      <a:tailEnd type="none" w="med" len="med"/>
+                    </a:lnB>
+                    <a:solidFill>
+                      <a:schemeClr val="bg1"/>
+                    </a:solidFill>
+                  </a:tcPr>
+                </a:tc>
+                <a:tc>
+                  <a:txBody>
+                    <a:bodyPr/>
+                    <a:lstStyle/>
+                    <a:p>
+                      <a:endParaRPr lang="en-US" dirty="0"/>
+                    </a:p>
+                  </a:txBody>
+                  <a:tcPr>
+                    <a:lnL w="12700" cap="flat" cmpd="sng" algn="ctr">
+                      <a:solidFill>
+                        <a:schemeClr val="tx1"/>
+                      </a:solidFill>
+                      <a:prstDash val="solid"/>
+                      <a:round/>
+                      <a:headEnd type="none" w="med" len="med"/>
+                      <a:tailEnd type="none" w="med" len="med"/>
+                    </a:lnL>
+                    <a:lnR w="12700" cap="flat" cmpd="sng" algn="ctr">
+                      <a:solidFill>
+                        <a:schemeClr val="tx1"/>
+                      </a:solidFill>
+                      <a:prstDash val="solid"/>
+                      <a:round/>
+                      <a:headEnd type="none" w="med" len="med"/>
+                      <a:tailEnd type="none" w="med" len="med"/>
+                    </a:lnR>
+                    <a:lnT w="12700" cap="flat" cmpd="sng" algn="ctr">
+                      <a:solidFill>
+                        <a:schemeClr val="tx1"/>
+                      </a:solidFill>
+                      <a:prstDash val="solid"/>
+                      <a:round/>
+                      <a:headEnd type="none" w="med" len="med"/>
+                      <a:tailEnd type="none" w="med" len="med"/>
+                    </a:lnT>
+                    <a:lnB w="12700" cap="flat" cmpd="sng" algn="ctr">
+                      <a:solidFill>
+                        <a:schemeClr val="tx1"/>
+                      </a:solidFill>
+                      <a:prstDash val="solid"/>
+                      <a:round/>
+                      <a:headEnd type="none" w="med" len="med"/>
+                      <a:tailEnd type="none" w="med" len="med"/>
+                    </a:lnB>
+                    <a:solidFill>
+                      <a:schemeClr val="bg1"/>
+                    </a:solidFill>
+                  </a:tcPr>
+                </a:tc>
+                <a:extLst>
+                  <a:ext uri="{0D108BD9-81ED-4DB2-BD59-A6C34878D82A}">
+                    <a16:rowId xmlns:a16="http://schemas.microsoft.com/office/drawing/2014/main" val="1475530649"/>
+                  </a:ext>
+                </a:extLst>
+              </a:tr>
+              <a:tr h="677334">
+                <a:tc>
+                  <a:txBody>
+                    <a:bodyPr/>
+                    <a:lstStyle/>
+                    <a:p>
+                      <a:endParaRPr lang="en-US" dirty="0"/>
+                    </a:p>
+                  </a:txBody>
+                  <a:tcPr>
+                    <a:lnL w="12700" cap="flat" cmpd="sng" algn="ctr">
+                      <a:solidFill>
+                        <a:schemeClr val="tx1"/>
+                      </a:solidFill>
+                      <a:prstDash val="solid"/>
+                      <a:round/>
+                      <a:headEnd type="none" w="med" len="med"/>
+                      <a:tailEnd type="none" w="med" len="med"/>
+                    </a:lnL>
+                    <a:lnR w="12700" cap="flat" cmpd="sng" algn="ctr">
+                      <a:solidFill>
+                        <a:schemeClr val="tx1"/>
+                      </a:solidFill>
+                      <a:prstDash val="solid"/>
+                      <a:round/>
+                      <a:headEnd type="none" w="med" len="med"/>
+                      <a:tailEnd type="none" w="med" len="med"/>
+                    </a:lnR>
+                    <a:lnT w="12700" cap="flat" cmpd="sng" algn="ctr">
+                      <a:solidFill>
+                        <a:schemeClr val="tx1"/>
+                      </a:solidFill>
+                      <a:prstDash val="solid"/>
+                      <a:round/>
+                      <a:headEnd type="none" w="med" len="med"/>
+                      <a:tailEnd type="none" w="med" len="med"/>
+                    </a:lnT>
+                    <a:lnB w="12700" cap="flat" cmpd="sng" algn="ctr">
+                      <a:solidFill>
+                        <a:schemeClr val="tx1"/>
+                      </a:solidFill>
+                      <a:prstDash val="solid"/>
+                      <a:round/>
+                      <a:headEnd type="none" w="med" len="med"/>
+                      <a:tailEnd type="none" w="med" len="med"/>
+                    </a:lnB>
+                    <a:lnTlToBr w="12700" cmpd="sng">
+                      <a:noFill/>
+                      <a:prstDash val="solid"/>
+                    </a:lnTlToBr>
+                    <a:lnBlToTr w="12700" cmpd="sng">
+                      <a:noFill/>
+                      <a:prstDash val="solid"/>
+                    </a:lnBlToTr>
+                    <a:solidFill>
+                      <a:schemeClr val="tx1"/>
+                    </a:solidFill>
+                  </a:tcPr>
+                </a:tc>
+                <a:tc>
+                  <a:txBody>
+                    <a:bodyPr/>
+                    <a:lstStyle/>
+                    <a:p>
+                      <a:endParaRPr lang="en-US" dirty="0"/>
+                    </a:p>
+                  </a:txBody>
+                  <a:tcPr>
+                    <a:lnL w="12700" cap="flat" cmpd="sng" algn="ctr">
+                      <a:solidFill>
+                        <a:schemeClr val="tx1"/>
+                      </a:solidFill>
+                      <a:prstDash val="solid"/>
+                      <a:round/>
+                      <a:headEnd type="none" w="med" len="med"/>
+                      <a:tailEnd type="none" w="med" len="med"/>
+                    </a:lnL>
+                    <a:lnR w="12700" cap="flat" cmpd="sng" algn="ctr">
+                      <a:solidFill>
+                        <a:schemeClr val="tx1"/>
+                      </a:solidFill>
+                      <a:prstDash val="solid"/>
+                      <a:round/>
+                      <a:headEnd type="none" w="med" len="med"/>
+                      <a:tailEnd type="none" w="med" len="med"/>
+                    </a:lnR>
+                    <a:lnT w="12700" cap="flat" cmpd="sng" algn="ctr">
+                      <a:solidFill>
+                        <a:schemeClr val="tx1"/>
+                      </a:solidFill>
+                      <a:prstDash val="solid"/>
+                      <a:round/>
+                      <a:headEnd type="none" w="med" len="med"/>
+                      <a:tailEnd type="none" w="med" len="med"/>
+                    </a:lnT>
+                    <a:lnB w="12700" cap="flat" cmpd="sng" algn="ctr">
+                      <a:solidFill>
+                        <a:schemeClr val="tx1"/>
+                      </a:solidFill>
+                      <a:prstDash val="solid"/>
+                      <a:round/>
+                      <a:headEnd type="none" w="med" len="med"/>
+                      <a:tailEnd type="none" w="med" len="med"/>
+                    </a:lnB>
+                    <a:solidFill>
+                      <a:schemeClr val="bg1"/>
+                    </a:solidFill>
+                  </a:tcPr>
+                </a:tc>
+                <a:tc>
+                  <a:txBody>
+                    <a:bodyPr/>
+                    <a:lstStyle/>
+                    <a:p>
+                      <a:endParaRPr lang="en-US"/>
+                    </a:p>
+                  </a:txBody>
+                  <a:tcPr>
+                    <a:lnL w="12700" cap="flat" cmpd="sng" algn="ctr">
+                      <a:solidFill>
+                        <a:schemeClr val="tx1"/>
+                      </a:solidFill>
+                      <a:prstDash val="solid"/>
+                      <a:round/>
+                      <a:headEnd type="none" w="med" len="med"/>
+                      <a:tailEnd type="none" w="med" len="med"/>
+                    </a:lnL>
+                    <a:lnR w="12700" cap="flat" cmpd="sng" algn="ctr">
+                      <a:solidFill>
+                        <a:schemeClr val="tx1"/>
+                      </a:solidFill>
+                      <a:prstDash val="solid"/>
+                      <a:round/>
+                      <a:headEnd type="none" w="med" len="med"/>
+                      <a:tailEnd type="none" w="med" len="med"/>
+                    </a:lnR>
+                    <a:lnT w="12700" cap="flat" cmpd="sng" algn="ctr">
+                      <a:solidFill>
+                        <a:schemeClr val="tx1"/>
+                      </a:solidFill>
+                      <a:prstDash val="solid"/>
+                      <a:round/>
+                      <a:headEnd type="none" w="med" len="med"/>
+                      <a:tailEnd type="none" w="med" len="med"/>
+                    </a:lnT>
+                    <a:lnB w="12700" cap="flat" cmpd="sng" algn="ctr">
+                      <a:solidFill>
+                        <a:schemeClr val="tx1"/>
+                      </a:solidFill>
+                      <a:prstDash val="solid"/>
+                      <a:round/>
+                      <a:headEnd type="none" w="med" len="med"/>
+                      <a:tailEnd type="none" w="med" len="med"/>
+                    </a:lnB>
+                    <a:solidFill>
+                      <a:schemeClr val="bg1"/>
+                    </a:solidFill>
+                  </a:tcPr>
+                </a:tc>
+                <a:tc>
+                  <a:txBody>
+                    <a:bodyPr/>
+                    <a:lstStyle/>
+                    <a:p>
+                      <a:r>
+                        <a:rPr lang="en-US" dirty="0"/>
+                        <a:t> Jerry</a:t>
+                      </a:r>
+                    </a:p>
+                  </a:txBody>
+                  <a:tcPr>
+                    <a:lnL w="12700" cap="flat" cmpd="sng" algn="ctr">
+                      <a:solidFill>
+                        <a:schemeClr val="tx1"/>
+                      </a:solidFill>
+                      <a:prstDash val="solid"/>
+                      <a:round/>
+                      <a:headEnd type="none" w="med" len="med"/>
+                      <a:tailEnd type="none" w="med" len="med"/>
+                    </a:lnL>
+                    <a:lnR w="12700" cap="flat" cmpd="sng" algn="ctr">
+                      <a:solidFill>
+                        <a:schemeClr val="tx1"/>
+                      </a:solidFill>
+                      <a:prstDash val="solid"/>
+                      <a:round/>
+                      <a:headEnd type="none" w="med" len="med"/>
+                      <a:tailEnd type="none" w="med" len="med"/>
+                    </a:lnR>
+                    <a:lnT w="12700" cap="flat" cmpd="sng" algn="ctr">
+                      <a:solidFill>
+                        <a:schemeClr val="tx1"/>
+                      </a:solidFill>
+                      <a:prstDash val="solid"/>
+                      <a:round/>
+                      <a:headEnd type="none" w="med" len="med"/>
+                      <a:tailEnd type="none" w="med" len="med"/>
+                    </a:lnT>
+                    <a:lnB w="12700" cap="flat" cmpd="sng" algn="ctr">
+                      <a:solidFill>
+                        <a:schemeClr val="tx1"/>
+                      </a:solidFill>
+                      <a:prstDash val="solid"/>
+                      <a:round/>
+                      <a:headEnd type="none" w="med" len="med"/>
+                      <a:tailEnd type="none" w="med" len="med"/>
+                    </a:lnB>
+                    <a:solidFill>
+                      <a:schemeClr val="bg1"/>
+                    </a:solidFill>
+                  </a:tcPr>
+                </a:tc>
+                <a:tc>
+                  <a:txBody>
+                    <a:bodyPr/>
+                    <a:lstStyle/>
+                    <a:p>
+                      <a:endParaRPr lang="en-US" dirty="0"/>
+                    </a:p>
+                  </a:txBody>
+                  <a:tcPr>
+                    <a:lnL w="12700" cap="flat" cmpd="sng" algn="ctr">
+                      <a:solidFill>
+                        <a:schemeClr val="tx1"/>
+                      </a:solidFill>
+                      <a:prstDash val="solid"/>
+                      <a:round/>
+                      <a:headEnd type="none" w="med" len="med"/>
+                      <a:tailEnd type="none" w="med" len="med"/>
+                    </a:lnL>
+                    <a:lnR w="12700" cap="flat" cmpd="sng" algn="ctr">
+                      <a:solidFill>
+                        <a:schemeClr val="tx1"/>
+                      </a:solidFill>
+                      <a:prstDash val="solid"/>
+                      <a:round/>
+                      <a:headEnd type="none" w="med" len="med"/>
+                      <a:tailEnd type="none" w="med" len="med"/>
+                    </a:lnR>
+                    <a:lnT w="12700" cap="flat" cmpd="sng" algn="ctr">
+                      <a:solidFill>
+                        <a:schemeClr val="tx1"/>
+                      </a:solidFill>
+                      <a:prstDash val="solid"/>
+                      <a:round/>
+                      <a:headEnd type="none" w="med" len="med"/>
+                      <a:tailEnd type="none" w="med" len="med"/>
+                    </a:lnT>
+                    <a:lnB w="12700" cap="flat" cmpd="sng" algn="ctr">
+                      <a:solidFill>
+                        <a:schemeClr val="tx1"/>
+                      </a:solidFill>
+                      <a:prstDash val="solid"/>
+                      <a:round/>
+                      <a:headEnd type="none" w="med" len="med"/>
+                      <a:tailEnd type="none" w="med" len="med"/>
+                    </a:lnB>
+                    <a:solidFill>
+                      <a:schemeClr val="bg1"/>
+                    </a:solidFill>
+                  </a:tcPr>
+                </a:tc>
+                <a:extLst>
+                  <a:ext uri="{0D108BD9-81ED-4DB2-BD59-A6C34878D82A}">
+                    <a16:rowId xmlns:a16="http://schemas.microsoft.com/office/drawing/2014/main" val="2432405016"/>
+                  </a:ext>
+                </a:extLst>
+              </a:tr>
+            </a:tbl>
+          </a:graphicData>
+        </a:graphic>
+      </p:graphicFrame>
       <p:sp>
         <p:nvSpPr>
-          <p:cNvPr id="3" name="Контейнер за съдържание 2">
+          <p:cNvPr id="6" name="Текстово поле 5">
             <a:extLst>
               <a:ext uri="{FF2B5EF4-FFF2-40B4-BE49-F238E27FC236}">
-                <a16:creationId xmlns:a16="http://schemas.microsoft.com/office/drawing/2014/main" id="{3D87BAE7-2145-44E9-B42C-DA16AE7FFDD7}"/>
+                <a16:creationId xmlns:a16="http://schemas.microsoft.com/office/drawing/2014/main" id="{8012930C-672A-425E-B06D-0C7B65757CF8}"/>
               </a:ext>
             </a:extLst>
           </p:cNvPr>
-          <p:cNvSpPr>
-            <a:spLocks noGrp="1"/>
-          </p:cNvSpPr>
-          <p:nvPr>
-            <p:ph idx="1"/>
-          </p:nvPr>
+          <p:cNvSpPr txBox="1"/>
+          <p:nvPr/>
         </p:nvSpPr>
-        <p:spPr/>
+        <p:spPr>
+          <a:xfrm>
+            <a:off x="5461233" y="419450"/>
+            <a:ext cx="634767" cy="4801314"/>
+          </a:xfrm>
+          <a:prstGeom prst="rect">
+            <a:avLst/>
+          </a:prstGeom>
+          <a:noFill/>
+        </p:spPr>
         <p:txBody>
-          <a:bodyPr/>
+          <a:bodyPr wrap="square" rtlCol="0">
+            <a:spAutoFit/>
+          </a:bodyPr>
           <a:lstStyle/>
           <a:p>
-            <a:endParaRPr lang="en-US"/>
+            <a:r>
+              <a:rPr lang="en-US" dirty="0"/>
+              <a:t>5 4</a:t>
+            </a:r>
+          </a:p>
+          <a:p>
+            <a:r>
+              <a:rPr lang="en-US" dirty="0"/>
+              <a:t>3 3</a:t>
+            </a:r>
+          </a:p>
+          <a:p>
+            <a:r>
+              <a:rPr lang="en-US" dirty="0"/>
+              <a:t>0 0</a:t>
+            </a:r>
+          </a:p>
+          <a:p>
+            <a:r>
+              <a:rPr lang="en-US" dirty="0"/>
+              <a:t>3 2</a:t>
+            </a:r>
+          </a:p>
+          <a:p>
+            <a:r>
+              <a:rPr lang="en-US" dirty="0"/>
+              <a:t>3 0</a:t>
+            </a:r>
+          </a:p>
+          <a:p>
+            <a:r>
+              <a:rPr lang="en-US" dirty="0"/>
+              <a:t>1</a:t>
+            </a:r>
+          </a:p>
+          <a:p>
+            <a:r>
+              <a:rPr lang="en-US" dirty="0"/>
+              <a:t>===</a:t>
+            </a:r>
+          </a:p>
+          <a:p>
+            <a:r>
+              <a:rPr lang="en-US" dirty="0"/>
+              <a:t>1 2</a:t>
+            </a:r>
+          </a:p>
+          <a:p>
+            <a:r>
+              <a:rPr lang="en-US" dirty="0"/>
+              <a:t>1</a:t>
+            </a:r>
+          </a:p>
+          <a:p>
+            <a:r>
+              <a:rPr lang="en-US" dirty="0"/>
+              <a:t>1</a:t>
+            </a:r>
+          </a:p>
+          <a:p>
+            <a:r>
+              <a:rPr lang="en-US" dirty="0"/>
+              <a:t>===</a:t>
+            </a:r>
+          </a:p>
+          <a:p>
+            <a:r>
+              <a:rPr lang="en-US" dirty="0"/>
+              <a:t>1 4</a:t>
+            </a:r>
+          </a:p>
+          <a:p>
+            <a:r>
+              <a:rPr lang="en-US" dirty="0"/>
+              <a:t>1</a:t>
+            </a:r>
+          </a:p>
+          <a:p>
+            <a:r>
+              <a:rPr lang="en-US" dirty="0"/>
+              <a:t>===</a:t>
+            </a:r>
+          </a:p>
+          <a:p>
+            <a:r>
+              <a:rPr lang="en-US" dirty="0"/>
+              <a:t>2 0</a:t>
+            </a:r>
+          </a:p>
+          <a:p>
+            <a:r>
+              <a:rPr lang="en-US"/>
+              <a:t>0 3</a:t>
+            </a:r>
+          </a:p>
+          <a:p>
+            <a:endParaRPr lang="en-US" dirty="0"/>
           </a:p>
         </p:txBody>
       </p:sp>
